--- a/reference_material/slides/020_regular_expressions.pptx
+++ b/reference_material/slides/020_regular_expressions.pptx
@@ -16,10 +16,14 @@
     <p:sldId id="266" r:id="rId10"/>
     <p:sldId id="262" r:id="rId11"/>
     <p:sldId id="269" r:id="rId12"/>
-    <p:sldId id="260" r:id="rId13"/>
-    <p:sldId id="261" r:id="rId14"/>
-    <p:sldId id="267" r:id="rId15"/>
-    <p:sldId id="264" r:id="rId16"/>
+    <p:sldId id="273" r:id="rId13"/>
+    <p:sldId id="274" r:id="rId14"/>
+    <p:sldId id="260" r:id="rId15"/>
+    <p:sldId id="261" r:id="rId16"/>
+    <p:sldId id="267" r:id="rId17"/>
+    <p:sldId id="271" r:id="rId18"/>
+    <p:sldId id="272" r:id="rId19"/>
+    <p:sldId id="264" r:id="rId20"/>
   </p:sldIdLst>
   <p:sldSz cx="12192000" cy="6858000"/>
   <p:notesSz cx="6858000" cy="9144000"/>
@@ -118,6 +122,11 @@
       </a:defRPr>
     </a:lvl9pPr>
   </p:defaultTextStyle>
+  <p:extLst>
+    <p:ext uri="{EFAFB233-063F-42B5-8137-9DF3F51BA10A}">
+      <p15:sldGuideLst xmlns:p15="http://schemas.microsoft.com/office/powerpoint/2012/main"/>
+    </p:ext>
+  </p:extLst>
 </p:presentation>
 </file>
 
@@ -260,7 +269,7 @@
           <a:p>
             <a:fld id="{4B6ACABE-F583-244D-9A16-B1B6F3F63BB1}" type="datetimeFigureOut">
               <a:rPr lang="en-US" smtClean="0"/>
-              <a:t>11/13/23</a:t>
+              <a:t>10/24/24</a:t>
             </a:fld>
             <a:endParaRPr lang="en-US"/>
           </a:p>
@@ -471,7 +480,7 @@
           <a:p>
             <a:fld id="{4B6ACABE-F583-244D-9A16-B1B6F3F63BB1}" type="datetimeFigureOut">
               <a:rPr lang="en-US" smtClean="0"/>
-              <a:t>11/13/23</a:t>
+              <a:t>10/24/24</a:t>
             </a:fld>
             <a:endParaRPr lang="en-US"/>
           </a:p>
@@ -686,7 +695,7 @@
           <a:p>
             <a:fld id="{4B6ACABE-F583-244D-9A16-B1B6F3F63BB1}" type="datetimeFigureOut">
               <a:rPr lang="en-US" smtClean="0"/>
-              <a:t>11/13/23</a:t>
+              <a:t>10/24/24</a:t>
             </a:fld>
             <a:endParaRPr lang="en-US"/>
           </a:p>
@@ -887,7 +896,7 @@
           <a:p>
             <a:fld id="{4B6ACABE-F583-244D-9A16-B1B6F3F63BB1}" type="datetimeFigureOut">
               <a:rPr lang="en-US" smtClean="0"/>
-              <a:t>11/13/23</a:t>
+              <a:t>10/24/24</a:t>
             </a:fld>
             <a:endParaRPr lang="en-US"/>
           </a:p>
@@ -1166,7 +1175,7 @@
           <a:p>
             <a:fld id="{4B6ACABE-F583-244D-9A16-B1B6F3F63BB1}" type="datetimeFigureOut">
               <a:rPr lang="en-US" smtClean="0"/>
-              <a:t>11/13/23</a:t>
+              <a:t>10/24/24</a:t>
             </a:fld>
             <a:endParaRPr lang="en-US"/>
           </a:p>
@@ -1434,7 +1443,7 @@
           <a:p>
             <a:fld id="{4B6ACABE-F583-244D-9A16-B1B6F3F63BB1}" type="datetimeFigureOut">
               <a:rPr lang="en-US" smtClean="0"/>
-              <a:t>11/13/23</a:t>
+              <a:t>10/24/24</a:t>
             </a:fld>
             <a:endParaRPr lang="en-US"/>
           </a:p>
@@ -1850,7 +1859,7 @@
           <a:p>
             <a:fld id="{4B6ACABE-F583-244D-9A16-B1B6F3F63BB1}" type="datetimeFigureOut">
               <a:rPr lang="en-US" smtClean="0"/>
-              <a:t>11/13/23</a:t>
+              <a:t>10/24/24</a:t>
             </a:fld>
             <a:endParaRPr lang="en-US"/>
           </a:p>
@@ -1999,7 +2008,7 @@
           <a:p>
             <a:fld id="{4B6ACABE-F583-244D-9A16-B1B6F3F63BB1}" type="datetimeFigureOut">
               <a:rPr lang="en-US" smtClean="0"/>
-              <a:t>11/13/23</a:t>
+              <a:t>10/24/24</a:t>
             </a:fld>
             <a:endParaRPr lang="en-US"/>
           </a:p>
@@ -2125,7 +2134,7 @@
           <a:p>
             <a:fld id="{4B6ACABE-F583-244D-9A16-B1B6F3F63BB1}" type="datetimeFigureOut">
               <a:rPr lang="en-US" smtClean="0"/>
-              <a:t>11/13/23</a:t>
+              <a:t>10/24/24</a:t>
             </a:fld>
             <a:endParaRPr lang="en-US"/>
           </a:p>
@@ -2376,7 +2385,7 @@
           <a:p>
             <a:fld id="{4B6ACABE-F583-244D-9A16-B1B6F3F63BB1}" type="datetimeFigureOut">
               <a:rPr lang="en-US" smtClean="0"/>
-              <a:t>11/13/23</a:t>
+              <a:t>10/24/24</a:t>
             </a:fld>
             <a:endParaRPr lang="en-US"/>
           </a:p>
@@ -2821,7 +2830,7 @@
           <a:p>
             <a:fld id="{4B6ACABE-F583-244D-9A16-B1B6F3F63BB1}" type="datetimeFigureOut">
               <a:rPr lang="en-US" smtClean="0"/>
-              <a:t>11/13/23</a:t>
+              <a:t>10/24/24</a:t>
             </a:fld>
             <a:endParaRPr lang="en-US"/>
           </a:p>
@@ -3148,7 +3157,7 @@
           <a:p>
             <a:fld id="{4B6ACABE-F583-244D-9A16-B1B6F3F63BB1}" type="datetimeFigureOut">
               <a:rPr lang="en-US" smtClean="0"/>
-              <a:t>11/13/23</a:t>
+              <a:t>10/24/24</a:t>
             </a:fld>
             <a:endParaRPr lang="en-US"/>
           </a:p>
@@ -3680,108 +3689,88 @@
         </p:nvSpPr>
         <p:spPr>
           <a:xfrm>
-            <a:off x="1451579" y="1853754"/>
-            <a:ext cx="9603275" cy="4199727"/>
+            <a:off x="1137147" y="1853754"/>
+            <a:ext cx="11054854" cy="4199727"/>
           </a:xfrm>
         </p:spPr>
         <p:txBody>
           <a:bodyPr>
-            <a:normAutofit fontScale="92500" lnSpcReduction="20000"/>
+            <a:normAutofit/>
           </a:bodyPr>
           <a:lstStyle/>
           <a:p>
             <a:r>
               <a:rPr lang="en-US" dirty="0"/>
-              <a:t>PLEASE DO THIS FIRST - We’ll start at 12:10</a:t>
+              <a:t>Today – slight reordering:</a:t>
             </a:r>
           </a:p>
           <a:p>
             <a:pPr lvl="1"/>
             <a:r>
               <a:rPr lang="en-US" dirty="0"/>
-              <a:t>For assignment 2 – survey on what is easy/hard thus far. </a:t>
+              <a:t>We’ll do strings/regular expressions (#20)</a:t>
+            </a:r>
+          </a:p>
+          <a:p>
+            <a:r>
+              <a:rPr lang="en-US" dirty="0"/>
+              <a:t>Revisit the cards thing with test-driven development next week. </a:t>
+            </a:r>
+          </a:p>
+          <a:p>
+            <a:r>
+              <a:rPr lang="en-US" dirty="0"/>
+              <a:t>If the modelling stuff from last time is hard/slow, that’s fine and normal. </a:t>
             </a:r>
           </a:p>
           <a:p>
             <a:pPr lvl="1"/>
             <a:r>
               <a:rPr lang="en-US" dirty="0"/>
-              <a:t>Please be honest, it won’t make grading or difficultly all that different. </a:t>
+              <a:t>Practice – building towards a game of poker (or variant, or other game) is good. </a:t>
             </a:r>
           </a:p>
           <a:p>
             <a:pPr lvl="1"/>
             <a:r>
-              <a:rPr lang="en-US" dirty="0">
-                <a:hlinkClick r:id="rId2"/>
-              </a:rPr>
-              <a:t>https://app.sli.do/event/7Eg2R9QEkgJZ3BwAcaX3eQ</a:t>
-            </a:r>
-            <a:r>
-              <a:rPr lang="en-US" dirty="0"/>
-              <a:t> (#3143798, pw: emy5gn)</a:t>
-            </a:r>
-          </a:p>
-          <a:p>
-            <a:pPr lvl="2"/>
-            <a:r>
-              <a:rPr lang="en-US" dirty="0"/>
-              <a:t>Also a link under the Class Meeting thing on </a:t>
+              <a:rPr lang="en-US" dirty="0"/>
+              <a:t>The </a:t>
             </a:r>
             <a:r>
               <a:rPr lang="en-US" dirty="0" err="1"/>
-              <a:t>moodle</a:t>
-            </a:r>
-            <a:r>
-              <a:rPr lang="en-US" dirty="0"/>
-              <a:t>. </a:t>
-            </a:r>
-          </a:p>
-          <a:p>
-            <a:r>
-              <a:rPr lang="en-US" dirty="0"/>
-              <a:t>Lab 4:</a:t>
+              <a:t>thinkpython</a:t>
+            </a:r>
+            <a:r>
+              <a:rPr lang="en-US" dirty="0"/>
+              <a:t> book has several exercises at the end of chapters 14-17. </a:t>
             </a:r>
           </a:p>
           <a:p>
             <a:pPr lvl="1"/>
             <a:r>
               <a:rPr lang="en-US" dirty="0"/>
-              <a:t>We’ll go over the details quickly, ask about anything that’s weird. </a:t>
-            </a:r>
-          </a:p>
-          <a:p>
-            <a:r>
-              <a:rPr lang="en-US" dirty="0"/>
-              <a:t>Today (easy and simple! Kind of):</a:t>
+              <a:t>Other “stuff” – real things, old code things you understand, </a:t>
+            </a:r>
+            <a:r>
+              <a:rPr lang="en-US" dirty="0" err="1"/>
+              <a:t>etc</a:t>
+            </a:r>
+            <a:r>
+              <a:rPr lang="en-US" dirty="0"/>
+              <a:t>… are good practice objectification candidates. </a:t>
             </a:r>
           </a:p>
           <a:p>
             <a:pPr lvl="1"/>
             <a:r>
               <a:rPr lang="en-US" dirty="0"/>
-              <a:t>Regular expressions – processing text by pattern. </a:t>
-            </a:r>
-          </a:p>
-          <a:p>
-            <a:pPr lvl="1"/>
-            <a:r>
-              <a:rPr lang="en-US" dirty="0"/>
-              <a:t>Review and callbacks – if anything recent doesn’t make sense, please ask. </a:t>
-            </a:r>
-          </a:p>
-          <a:p>
-            <a:pPr lvl="2"/>
-            <a:r>
-              <a:rPr lang="en-US" dirty="0"/>
-              <a:t>Particularly with the poker example, with is open ended and likely more confusing. </a:t>
-            </a:r>
-          </a:p>
-          <a:p>
-            <a:pPr lvl="2"/>
-            <a:r>
-              <a:rPr lang="en-US" dirty="0"/>
-              <a:t>We’ll do more poker stuff </a:t>
+              <a:t>When you hit problems search, read, ask – hitting roadblocks is normal, beating them gets easier. </a:t>
+            </a:r>
+          </a:p>
+          <a:p>
+            <a:r>
+              <a:rPr lang="en-US" dirty="0"/>
+              <a:t>Reminder – one week from today there’s no class for that analytics conference. </a:t>
             </a:r>
           </a:p>
         </p:txBody>
@@ -3880,7 +3869,7 @@
           <a:p>
             <a:r>
               <a:rPr lang="en-US" dirty="0"/>
-              <a:t>Most useful finding strings that meet a specific pattern, but with variable details. </a:t>
+              <a:t>Most useful finding strings that meet a specific pattern/format, but with variable details. </a:t>
             </a:r>
           </a:p>
           <a:p>
@@ -4054,13 +4043,13 @@
         </p:nvSpPr>
         <p:spPr>
           <a:xfrm>
-            <a:off x="148282" y="1853754"/>
-            <a:ext cx="5526882" cy="4199727"/>
+            <a:off x="-1" y="1853754"/>
+            <a:ext cx="6378327" cy="4199727"/>
           </a:xfrm>
         </p:spPr>
         <p:txBody>
           <a:bodyPr>
-            <a:normAutofit fontScale="92500" lnSpcReduction="20000"/>
+            <a:normAutofit fontScale="92500" lnSpcReduction="10000"/>
           </a:bodyPr>
           <a:lstStyle/>
           <a:p>
@@ -4078,14 +4067,25 @@
           <a:p>
             <a:r>
               <a:rPr lang="en-US" sz="2400" dirty="0"/>
-              <a:t>Several techniques. </a:t>
+              <a:t>Idea is similar to recursion – what are the possible cases, when do they occur, and can I check that the correct one happens. </a:t>
             </a:r>
           </a:p>
           <a:p>
             <a:r>
               <a:rPr lang="en-US" sz="2400" dirty="0"/>
-              <a:t>Idea is similar to thinking about recursion – what are the possible cases, when do they occur, and can I check that the correct one happens. </a:t>
-            </a:r>
+              <a:t>Tests show that code practically works, proofs show that it </a:t>
+            </a:r>
+            <a:r>
+              <a:rPr lang="en-US" sz="2400" i="1" dirty="0"/>
+              <a:t>can’t</a:t>
+            </a:r>
+            <a:r>
+              <a:rPr lang="en-US" sz="2400" dirty="0"/>
+              <a:t> not work. </a:t>
+            </a:r>
+          </a:p>
+          <a:p>
+            <a:endParaRPr lang="en-US" sz="2400" dirty="0"/>
           </a:p>
         </p:txBody>
       </p:sp>
@@ -4116,8 +4116,8 @@
         </p:blipFill>
         <p:spPr bwMode="auto">
           <a:xfrm>
-            <a:off x="5675163" y="1853754"/>
-            <a:ext cx="6516837" cy="4707684"/>
+            <a:off x="6378327" y="1853754"/>
+            <a:ext cx="5813673" cy="4199727"/>
           </a:xfrm>
           <a:prstGeom prst="rect">
             <a:avLst/>
@@ -4148,6 +4148,288 @@
 </file>
 
 <file path=ppt/slides/slide12.xml><?xml version="1.0" encoding="utf-8"?>
+<p:sld xmlns:a="http://schemas.openxmlformats.org/drawingml/2006/main" xmlns:r="http://schemas.openxmlformats.org/officeDocument/2006/relationships" xmlns:p="http://schemas.openxmlformats.org/presentationml/2006/main">
+  <p:cSld>
+    <p:spTree>
+      <p:nvGrpSpPr>
+        <p:cNvPr id="1" name=""/>
+        <p:cNvGrpSpPr/>
+        <p:nvPr/>
+      </p:nvGrpSpPr>
+      <p:grpSpPr>
+        <a:xfrm>
+          <a:off x="0" y="0"/>
+          <a:ext cx="0" cy="0"/>
+          <a:chOff x="0" y="0"/>
+          <a:chExt cx="0" cy="0"/>
+        </a:xfrm>
+      </p:grpSpPr>
+      <p:sp>
+        <p:nvSpPr>
+          <p:cNvPr id="2" name="Title 1">
+            <a:extLst>
+              <a:ext uri="{FF2B5EF4-FFF2-40B4-BE49-F238E27FC236}">
+                <a16:creationId xmlns:a16="http://schemas.microsoft.com/office/drawing/2014/main" id="{CB46C256-42C8-2C61-0027-F11F28C1A779}"/>
+              </a:ext>
+            </a:extLst>
+          </p:cNvPr>
+          <p:cNvSpPr>
+            <a:spLocks noGrp="1"/>
+          </p:cNvSpPr>
+          <p:nvPr>
+            <p:ph type="title"/>
+          </p:nvPr>
+        </p:nvSpPr>
+        <p:spPr/>
+        <p:txBody>
+          <a:bodyPr/>
+          <a:lstStyle/>
+          <a:p>
+            <a:r>
+              <a:rPr lang="en-US" dirty="0"/>
+              <a:t>The value of Formal Correctness</a:t>
+            </a:r>
+          </a:p>
+        </p:txBody>
+      </p:sp>
+      <p:sp>
+        <p:nvSpPr>
+          <p:cNvPr id="3" name="Content Placeholder 2">
+            <a:extLst>
+              <a:ext uri="{FF2B5EF4-FFF2-40B4-BE49-F238E27FC236}">
+                <a16:creationId xmlns:a16="http://schemas.microsoft.com/office/drawing/2014/main" id="{60E7C793-AB84-0E77-F35D-B12EBE382AE3}"/>
+              </a:ext>
+            </a:extLst>
+          </p:cNvPr>
+          <p:cNvSpPr>
+            <a:spLocks noGrp="1"/>
+          </p:cNvSpPr>
+          <p:nvPr>
+            <p:ph idx="1"/>
+          </p:nvPr>
+        </p:nvSpPr>
+        <p:spPr>
+          <a:xfrm>
+            <a:off x="1025611" y="1853754"/>
+            <a:ext cx="10923373" cy="4199727"/>
+          </a:xfrm>
+        </p:spPr>
+        <p:txBody>
+          <a:bodyPr/>
+          <a:lstStyle/>
+          <a:p>
+            <a:r>
+              <a:rPr lang="en-US" dirty="0"/>
+              <a:t>In most code we can ‘verify’ it through tests (or even less…)</a:t>
+            </a:r>
+          </a:p>
+          <a:p>
+            <a:r>
+              <a:rPr lang="en-US" dirty="0"/>
+              <a:t>In mission critical things, we may want and need to do a bit better. </a:t>
+            </a:r>
+          </a:p>
+          <a:p>
+            <a:pPr lvl="1"/>
+            <a:r>
+              <a:rPr lang="en-US" dirty="0"/>
+              <a:t>Space shuttle control systems, insulin pumps, SCADA, self-driving cars (I’d hope, but…). </a:t>
+            </a:r>
+          </a:p>
+          <a:p>
+            <a:r>
+              <a:rPr lang="en-US" dirty="0"/>
+              <a:t>Code that can be proven to work is valuable here, as you can guarantee that it won’t have a bug. </a:t>
+            </a:r>
+          </a:p>
+          <a:p>
+            <a:r>
+              <a:rPr lang="en-US" dirty="0"/>
+              <a:t>Applies mainly to smaller algorithms/modules rather than full programs, for practicality. </a:t>
+            </a:r>
+          </a:p>
+          <a:p>
+            <a:pPr lvl="1"/>
+            <a:r>
+              <a:rPr lang="en-US" dirty="0"/>
+              <a:t>Think of a control system of a physical device, and verify that the code running it does the right thing. E.g. </a:t>
+            </a:r>
+          </a:p>
+          <a:p>
+            <a:pPr lvl="1"/>
+            <a:r>
+              <a:rPr lang="en-US" dirty="0"/>
+              <a:t>Throttle control system in drive by wire – prove that inputs change value properly, and values are valid.</a:t>
+            </a:r>
+          </a:p>
+          <a:p>
+            <a:pPr lvl="1"/>
+            <a:r>
+              <a:rPr lang="en-US" dirty="0"/>
+              <a:t>Pacemaker – prove that the “</a:t>
+            </a:r>
+            <a:r>
+              <a:rPr lang="en-US" dirty="0" err="1"/>
+              <a:t>pacemaking</a:t>
+            </a:r>
+            <a:r>
+              <a:rPr lang="en-US" dirty="0"/>
+              <a:t>” is correct based on inputs. </a:t>
+            </a:r>
+          </a:p>
+          <a:p>
+            <a:pPr lvl="1"/>
+            <a:r>
+              <a:rPr lang="en-US" dirty="0"/>
+              <a:t>Counterexample – Stuxnet bug used to destroy Iranian centrifuges by spinning them too fast. </a:t>
+            </a:r>
+          </a:p>
+        </p:txBody>
+      </p:sp>
+    </p:spTree>
+    <p:extLst>
+      <p:ext uri="{BB962C8B-B14F-4D97-AF65-F5344CB8AC3E}">
+        <p14:creationId xmlns:p14="http://schemas.microsoft.com/office/powerpoint/2010/main" val="3169480631"/>
+      </p:ext>
+    </p:extLst>
+  </p:cSld>
+  <p:clrMapOvr>
+    <a:masterClrMapping/>
+  </p:clrMapOvr>
+</p:sld>
+</file>
+
+<file path=ppt/slides/slide13.xml><?xml version="1.0" encoding="utf-8"?>
+<p:sld xmlns:a="http://schemas.openxmlformats.org/drawingml/2006/main" xmlns:r="http://schemas.openxmlformats.org/officeDocument/2006/relationships" xmlns:p="http://schemas.openxmlformats.org/presentationml/2006/main">
+  <p:cSld>
+    <p:spTree>
+      <p:nvGrpSpPr>
+        <p:cNvPr id="1" name=""/>
+        <p:cNvGrpSpPr/>
+        <p:nvPr/>
+      </p:nvGrpSpPr>
+      <p:grpSpPr>
+        <a:xfrm>
+          <a:off x="0" y="0"/>
+          <a:ext cx="0" cy="0"/>
+          <a:chOff x="0" y="0"/>
+          <a:chExt cx="0" cy="0"/>
+        </a:xfrm>
+      </p:grpSpPr>
+      <p:sp>
+        <p:nvSpPr>
+          <p:cNvPr id="2" name="Title 1">
+            <a:extLst>
+              <a:ext uri="{FF2B5EF4-FFF2-40B4-BE49-F238E27FC236}">
+                <a16:creationId xmlns:a16="http://schemas.microsoft.com/office/drawing/2014/main" id="{67128829-7756-8411-A04F-3DC8D644E02C}"/>
+              </a:ext>
+            </a:extLst>
+          </p:cNvPr>
+          <p:cNvSpPr>
+            <a:spLocks noGrp="1"/>
+          </p:cNvSpPr>
+          <p:nvPr>
+            <p:ph type="title"/>
+          </p:nvPr>
+        </p:nvSpPr>
+        <p:spPr/>
+        <p:txBody>
+          <a:bodyPr/>
+          <a:lstStyle/>
+          <a:p>
+            <a:r>
+              <a:rPr lang="en-US" dirty="0"/>
+              <a:t>Back to Regex…</a:t>
+            </a:r>
+          </a:p>
+        </p:txBody>
+      </p:sp>
+      <p:sp>
+        <p:nvSpPr>
+          <p:cNvPr id="3" name="Content Placeholder 2">
+            <a:extLst>
+              <a:ext uri="{FF2B5EF4-FFF2-40B4-BE49-F238E27FC236}">
+                <a16:creationId xmlns:a16="http://schemas.microsoft.com/office/drawing/2014/main" id="{63F52550-E8C9-DBE5-51BE-3E5BDAA7877D}"/>
+              </a:ext>
+            </a:extLst>
+          </p:cNvPr>
+          <p:cNvSpPr>
+            <a:spLocks noGrp="1"/>
+          </p:cNvSpPr>
+          <p:nvPr>
+            <p:ph idx="1"/>
+          </p:nvPr>
+        </p:nvSpPr>
+        <p:spPr/>
+        <p:txBody>
+          <a:bodyPr/>
+          <a:lstStyle/>
+          <a:p>
+            <a:endParaRPr lang="en-US"/>
+          </a:p>
+        </p:txBody>
+      </p:sp>
+      <p:pic>
+        <p:nvPicPr>
+          <p:cNvPr id="3074" name="Picture 2" descr="Regex Explained">
+            <a:extLst>
+              <a:ext uri="{FF2B5EF4-FFF2-40B4-BE49-F238E27FC236}">
+                <a16:creationId xmlns:a16="http://schemas.microsoft.com/office/drawing/2014/main" id="{49202121-27E4-0BA9-E798-2F457780F658}"/>
+              </a:ext>
+            </a:extLst>
+          </p:cNvPr>
+          <p:cNvPicPr>
+            <a:picLocks noChangeAspect="1" noChangeArrowheads="1"/>
+          </p:cNvPicPr>
+          <p:nvPr/>
+        </p:nvPicPr>
+        <p:blipFill>
+          <a:blip r:embed="rId2">
+            <a:extLst>
+              <a:ext uri="{28A0092B-C50C-407E-A947-70E740481C1C}">
+                <a14:useLocalDpi xmlns:a14="http://schemas.microsoft.com/office/drawing/2010/main" val="0"/>
+              </a:ext>
+            </a:extLst>
+          </a:blip>
+          <a:srcRect/>
+          <a:stretch>
+            <a:fillRect/>
+          </a:stretch>
+        </p:blipFill>
+        <p:spPr bwMode="auto">
+          <a:xfrm>
+            <a:off x="3520646" y="1707292"/>
+            <a:ext cx="5150708" cy="5150708"/>
+          </a:xfrm>
+          <a:prstGeom prst="rect">
+            <a:avLst/>
+          </a:prstGeom>
+          <a:noFill/>
+          <a:extLst>
+            <a:ext uri="{909E8E84-426E-40DD-AFC4-6F175D3DCCD1}">
+              <a14:hiddenFill xmlns:a14="http://schemas.microsoft.com/office/drawing/2010/main">
+                <a:solidFill>
+                  <a:srgbClr val="FFFFFF"/>
+                </a:solidFill>
+              </a14:hiddenFill>
+            </a:ext>
+          </a:extLst>
+        </p:spPr>
+      </p:pic>
+    </p:spTree>
+    <p:extLst>
+      <p:ext uri="{BB962C8B-B14F-4D97-AF65-F5344CB8AC3E}">
+        <p14:creationId xmlns:p14="http://schemas.microsoft.com/office/powerpoint/2010/main" val="5828938"/>
+      </p:ext>
+    </p:extLst>
+  </p:cSld>
+  <p:clrMapOvr>
+    <a:masterClrMapping/>
+  </p:clrMapOvr>
+</p:sld>
+</file>
+
+<file path=ppt/slides/slide14.xml><?xml version="1.0" encoding="utf-8"?>
 <p:sld xmlns:a="http://schemas.openxmlformats.org/drawingml/2006/main" xmlns:r="http://schemas.openxmlformats.org/officeDocument/2006/relationships" xmlns:p="http://schemas.openxmlformats.org/presentationml/2006/main">
   <p:cSld>
     <p:bg>
@@ -4322,7 +4604,7 @@
 </p:sld>
 </file>
 
-<file path=ppt/slides/slide13.xml><?xml version="1.0" encoding="utf-8"?>
+<file path=ppt/slides/slide15.xml><?xml version="1.0" encoding="utf-8"?>
 <p:sld xmlns:a="http://schemas.openxmlformats.org/drawingml/2006/main" xmlns:r="http://schemas.openxmlformats.org/officeDocument/2006/relationships" xmlns:p="http://schemas.openxmlformats.org/presentationml/2006/main">
   <p:cSld>
     <p:bg>
@@ -4547,7 +4829,7 @@
 </p:sld>
 </file>
 
-<file path=ppt/slides/slide14.xml><?xml version="1.0" encoding="utf-8"?>
+<file path=ppt/slides/slide16.xml><?xml version="1.0" encoding="utf-8"?>
 <p:sld xmlns:a="http://schemas.openxmlformats.org/drawingml/2006/main" xmlns:r="http://schemas.openxmlformats.org/officeDocument/2006/relationships" xmlns:p="http://schemas.openxmlformats.org/presentationml/2006/main">
   <p:cSld>
     <p:spTree>
@@ -4686,7 +4968,7 @@
 </p:sld>
 </file>
 
-<file path=ppt/slides/slide15.xml><?xml version="1.0" encoding="utf-8"?>
+<file path=ppt/slides/slide17.xml><?xml version="1.0" encoding="utf-8"?>
 <p:sld xmlns:a="http://schemas.openxmlformats.org/drawingml/2006/main" xmlns:r="http://schemas.openxmlformats.org/officeDocument/2006/relationships" xmlns:p="http://schemas.openxmlformats.org/presentationml/2006/main">
   <p:cSld>
     <p:spTree>
@@ -4708,6 +4990,370 @@
           <p:cNvPr id="2" name="Title 1">
             <a:extLst>
               <a:ext uri="{FF2B5EF4-FFF2-40B4-BE49-F238E27FC236}">
+                <a16:creationId xmlns:a16="http://schemas.microsoft.com/office/drawing/2014/main" id="{8342A243-C518-7886-7A98-D460D9CD4DA3}"/>
+              </a:ext>
+            </a:extLst>
+          </p:cNvPr>
+          <p:cNvSpPr>
+            <a:spLocks noGrp="1"/>
+          </p:cNvSpPr>
+          <p:nvPr>
+            <p:ph type="title"/>
+          </p:nvPr>
+        </p:nvSpPr>
+        <p:spPr/>
+        <p:txBody>
+          <a:bodyPr/>
+          <a:lstStyle/>
+          <a:p>
+            <a:r>
+              <a:rPr lang="en-US" dirty="0"/>
+              <a:t>Regex can be… Not Fun</a:t>
+            </a:r>
+          </a:p>
+        </p:txBody>
+      </p:sp>
+      <p:sp>
+        <p:nvSpPr>
+          <p:cNvPr id="3" name="Content Placeholder 2">
+            <a:extLst>
+              <a:ext uri="{FF2B5EF4-FFF2-40B4-BE49-F238E27FC236}">
+                <a16:creationId xmlns:a16="http://schemas.microsoft.com/office/drawing/2014/main" id="{E611114D-84E5-CA87-3C93-A6E9CFF8C28C}"/>
+              </a:ext>
+            </a:extLst>
+          </p:cNvPr>
+          <p:cNvSpPr>
+            <a:spLocks noGrp="1"/>
+          </p:cNvSpPr>
+          <p:nvPr>
+            <p:ph idx="1"/>
+          </p:nvPr>
+        </p:nvSpPr>
+        <p:spPr>
+          <a:xfrm>
+            <a:off x="1" y="1853754"/>
+            <a:ext cx="4695567" cy="4199727"/>
+          </a:xfrm>
+        </p:spPr>
+        <p:txBody>
+          <a:bodyPr/>
+          <a:lstStyle/>
+          <a:p>
+            <a:r>
+              <a:rPr lang="en-US" dirty="0"/>
+              <a:t>I learned this from a professor who only coded in Perl and used bizarrely complex regex for everything you can imagine, so I have an irrational hatred of it. </a:t>
+            </a:r>
+          </a:p>
+          <a:p>
+            <a:r>
+              <a:rPr lang="en-US" dirty="0"/>
+              <a:t>For text-pattern based things, it is great. </a:t>
+            </a:r>
+          </a:p>
+          <a:p>
+            <a:pPr lvl="1"/>
+            <a:r>
+              <a:rPr lang="en-US" dirty="0"/>
+              <a:t>I.e. is it the right format? </a:t>
+            </a:r>
+          </a:p>
+          <a:p>
+            <a:r>
+              <a:rPr lang="en-US" dirty="0"/>
+              <a:t>Before committing, question utility:</a:t>
+            </a:r>
+          </a:p>
+          <a:p>
+            <a:pPr lvl="1"/>
+            <a:r>
+              <a:rPr lang="en-US" dirty="0"/>
+              <a:t>Is the regex readable and changeable? </a:t>
+            </a:r>
+          </a:p>
+          <a:p>
+            <a:pPr lvl="1"/>
+            <a:r>
+              <a:rPr lang="en-US" dirty="0"/>
+              <a:t>Would it be easier in normal code? </a:t>
+            </a:r>
+          </a:p>
+        </p:txBody>
+      </p:sp>
+      <p:pic>
+        <p:nvPicPr>
+          <p:cNvPr id="1026" name="Picture 2" descr="Perl Problems : r/xkcd">
+            <a:extLst>
+              <a:ext uri="{FF2B5EF4-FFF2-40B4-BE49-F238E27FC236}">
+                <a16:creationId xmlns:a16="http://schemas.microsoft.com/office/drawing/2014/main" id="{49D9E596-49FA-BB37-23D0-E38D2FAA67C4}"/>
+              </a:ext>
+            </a:extLst>
+          </p:cNvPr>
+          <p:cNvPicPr>
+            <a:picLocks noChangeAspect="1" noChangeArrowheads="1"/>
+          </p:cNvPicPr>
+          <p:nvPr/>
+        </p:nvPicPr>
+        <p:blipFill>
+          <a:blip r:embed="rId2">
+            <a:extLst>
+              <a:ext uri="{28A0092B-C50C-407E-A947-70E740481C1C}">
+                <a14:useLocalDpi xmlns:a14="http://schemas.microsoft.com/office/drawing/2010/main" val="0"/>
+              </a:ext>
+            </a:extLst>
+          </a:blip>
+          <a:srcRect/>
+          <a:stretch>
+            <a:fillRect/>
+          </a:stretch>
+        </p:blipFill>
+        <p:spPr bwMode="auto">
+          <a:xfrm>
+            <a:off x="4695567" y="2335457"/>
+            <a:ext cx="7496432" cy="2811162"/>
+          </a:xfrm>
+          <a:prstGeom prst="rect">
+            <a:avLst/>
+          </a:prstGeom>
+          <a:noFill/>
+          <a:extLst>
+            <a:ext uri="{909E8E84-426E-40DD-AFC4-6F175D3DCCD1}">
+              <a14:hiddenFill xmlns:a14="http://schemas.microsoft.com/office/drawing/2010/main">
+                <a:solidFill>
+                  <a:srgbClr val="FFFFFF"/>
+                </a:solidFill>
+              </a14:hiddenFill>
+            </a:ext>
+          </a:extLst>
+        </p:spPr>
+      </p:pic>
+    </p:spTree>
+    <p:extLst>
+      <p:ext uri="{BB962C8B-B14F-4D97-AF65-F5344CB8AC3E}">
+        <p14:creationId xmlns:p14="http://schemas.microsoft.com/office/powerpoint/2010/main" val="3547909126"/>
+      </p:ext>
+    </p:extLst>
+  </p:cSld>
+  <p:clrMapOvr>
+    <a:masterClrMapping/>
+  </p:clrMapOvr>
+</p:sld>
+</file>
+
+<file path=ppt/slides/slide18.xml><?xml version="1.0" encoding="utf-8"?>
+<p:sld xmlns:a="http://schemas.openxmlformats.org/drawingml/2006/main" xmlns:r="http://schemas.openxmlformats.org/officeDocument/2006/relationships" xmlns:p="http://schemas.openxmlformats.org/presentationml/2006/main">
+  <p:cSld>
+    <p:bg>
+      <p:bgPr>
+        <a:gradFill rotWithShape="1">
+          <a:gsLst>
+            <a:gs pos="0">
+              <a:schemeClr val="bg2">
+                <a:tint val="94000"/>
+                <a:satMod val="80000"/>
+                <a:lumMod val="106000"/>
+              </a:schemeClr>
+            </a:gs>
+            <a:gs pos="100000">
+              <a:schemeClr val="bg2">
+                <a:shade val="80000"/>
+              </a:schemeClr>
+            </a:gs>
+          </a:gsLst>
+          <a:path path="circle">
+            <a:fillToRect l="43000" r="43000" b="100000"/>
+          </a:path>
+        </a:gradFill>
+        <a:effectLst/>
+      </p:bgPr>
+    </p:bg>
+    <p:spTree>
+      <p:nvGrpSpPr>
+        <p:cNvPr id="1" name=""/>
+        <p:cNvGrpSpPr/>
+        <p:nvPr/>
+      </p:nvGrpSpPr>
+      <p:grpSpPr>
+        <a:xfrm>
+          <a:off x="0" y="0"/>
+          <a:ext cx="0" cy="0"/>
+          <a:chOff x="0" y="0"/>
+          <a:chExt cx="0" cy="0"/>
+        </a:xfrm>
+      </p:grpSpPr>
+      <p:sp>
+        <p:nvSpPr>
+          <p:cNvPr id="2" name="Title 1">
+            <a:extLst>
+              <a:ext uri="{FF2B5EF4-FFF2-40B4-BE49-F238E27FC236}">
+                <a16:creationId xmlns:a16="http://schemas.microsoft.com/office/drawing/2014/main" id="{DEB9526F-A2B8-A088-B258-C9293234FE13}"/>
+              </a:ext>
+            </a:extLst>
+          </p:cNvPr>
+          <p:cNvSpPr>
+            <a:spLocks noGrp="1"/>
+          </p:cNvSpPr>
+          <p:nvPr>
+            <p:ph type="title"/>
+          </p:nvPr>
+        </p:nvSpPr>
+        <p:spPr>
+          <a:xfrm>
+            <a:off x="1" y="804519"/>
+            <a:ext cx="5066804" cy="1049235"/>
+          </a:xfrm>
+        </p:spPr>
+        <p:txBody>
+          <a:bodyPr>
+            <a:normAutofit/>
+          </a:bodyPr>
+          <a:lstStyle/>
+          <a:p>
+            <a:r>
+              <a:rPr lang="en-US" dirty="0"/>
+              <a:t>Help is on the Way…</a:t>
+            </a:r>
+          </a:p>
+        </p:txBody>
+      </p:sp>
+      <p:sp>
+        <p:nvSpPr>
+          <p:cNvPr id="3" name="Content Placeholder 2">
+            <a:extLst>
+              <a:ext uri="{FF2B5EF4-FFF2-40B4-BE49-F238E27FC236}">
+                <a16:creationId xmlns:a16="http://schemas.microsoft.com/office/drawing/2014/main" id="{DFDCC2CD-A87B-92D3-95EF-599BDF0C71A9}"/>
+              </a:ext>
+            </a:extLst>
+          </p:cNvPr>
+          <p:cNvSpPr>
+            <a:spLocks noGrp="1"/>
+          </p:cNvSpPr>
+          <p:nvPr>
+            <p:ph idx="1"/>
+          </p:nvPr>
+        </p:nvSpPr>
+        <p:spPr>
+          <a:xfrm>
+            <a:off x="1" y="1977082"/>
+            <a:ext cx="5066804" cy="4076400"/>
+          </a:xfrm>
+        </p:spPr>
+        <p:txBody>
+          <a:bodyPr>
+            <a:normAutofit/>
+          </a:bodyPr>
+          <a:lstStyle/>
+          <a:p>
+            <a:r>
+              <a:rPr lang="en-US" dirty="0"/>
+              <a:t>There are online tools that can help you. </a:t>
+            </a:r>
+          </a:p>
+          <a:p>
+            <a:r>
+              <a:rPr lang="en-US" dirty="0"/>
+              <a:t>This is actually a good application of AI. </a:t>
+            </a:r>
+          </a:p>
+          <a:p>
+            <a:pPr lvl="1"/>
+            <a:r>
+              <a:rPr lang="en-US" dirty="0"/>
+              <a:t>The details of regex are complex, messy, and easy to make a mistake. </a:t>
+            </a:r>
+          </a:p>
+          <a:p>
+            <a:pPr lvl="1"/>
+            <a:r>
+              <a:rPr lang="en-US" dirty="0"/>
+              <a:t>But, it is totally rules based. </a:t>
+            </a:r>
+          </a:p>
+          <a:p>
+            <a:r>
+              <a:rPr lang="en-US" dirty="0"/>
+              <a:t>For common things, like emails, phone numbers, reading some logs, parsing html/xml/</a:t>
+            </a:r>
+            <a:r>
+              <a:rPr lang="en-US" dirty="0" err="1"/>
+              <a:t>json</a:t>
+            </a:r>
+            <a:r>
+              <a:rPr lang="en-US" dirty="0"/>
+              <a:t>, there are likely some premade patterns </a:t>
+            </a:r>
+            <a:r>
+              <a:rPr lang="en-US"/>
+              <a:t>somewhere online. </a:t>
+            </a:r>
+            <a:endParaRPr lang="en-US" dirty="0"/>
+          </a:p>
+        </p:txBody>
+      </p:sp>
+      <p:pic>
+        <p:nvPicPr>
+          <p:cNvPr id="4" name="Picture 3">
+            <a:extLst>
+              <a:ext uri="{FF2B5EF4-FFF2-40B4-BE49-F238E27FC236}">
+                <a16:creationId xmlns:a16="http://schemas.microsoft.com/office/drawing/2014/main" id="{D0188C63-8404-CEF2-BD8F-4B4AD8F20B1E}"/>
+              </a:ext>
+            </a:extLst>
+          </p:cNvPr>
+          <p:cNvPicPr>
+            <a:picLocks noChangeAspect="1"/>
+          </p:cNvPicPr>
+          <p:nvPr/>
+        </p:nvPicPr>
+        <p:blipFill>
+          <a:blip r:embed="rId2"/>
+          <a:stretch>
+            <a:fillRect/>
+          </a:stretch>
+        </p:blipFill>
+        <p:spPr>
+          <a:xfrm>
+            <a:off x="5066805" y="0"/>
+            <a:ext cx="7125195" cy="6858000"/>
+          </a:xfrm>
+          <a:prstGeom prst="rect">
+            <a:avLst/>
+          </a:prstGeom>
+        </p:spPr>
+      </p:pic>
+    </p:spTree>
+    <p:extLst>
+      <p:ext uri="{BB962C8B-B14F-4D97-AF65-F5344CB8AC3E}">
+        <p14:creationId xmlns:p14="http://schemas.microsoft.com/office/powerpoint/2010/main" val="1777692790"/>
+      </p:ext>
+    </p:extLst>
+  </p:cSld>
+  <p:clrMapOvr>
+    <a:masterClrMapping/>
+  </p:clrMapOvr>
+</p:sld>
+</file>
+
+<file path=ppt/slides/slide19.xml><?xml version="1.0" encoding="utf-8"?>
+<p:sld xmlns:a="http://schemas.openxmlformats.org/drawingml/2006/main" xmlns:r="http://schemas.openxmlformats.org/officeDocument/2006/relationships" xmlns:p="http://schemas.openxmlformats.org/presentationml/2006/main">
+  <p:cSld>
+    <p:spTree>
+      <p:nvGrpSpPr>
+        <p:cNvPr id="1" name=""/>
+        <p:cNvGrpSpPr/>
+        <p:nvPr/>
+      </p:nvGrpSpPr>
+      <p:grpSpPr>
+        <a:xfrm>
+          <a:off x="0" y="0"/>
+          <a:ext cx="0" cy="0"/>
+          <a:chOff x="0" y="0"/>
+          <a:chExt cx="0" cy="0"/>
+        </a:xfrm>
+      </p:grpSpPr>
+      <p:sp>
+        <p:nvSpPr>
+          <p:cNvPr id="2" name="Title 1">
+            <a:extLst>
+              <a:ext uri="{FF2B5EF4-FFF2-40B4-BE49-F238E27FC236}">
                 <a16:creationId xmlns:a16="http://schemas.microsoft.com/office/drawing/2014/main" id="{C1767532-73D5-3D36-AB2E-F14EC0D4717F}"/>
               </a:ext>
             </a:extLst>
@@ -4750,7 +5396,7 @@
         <p:spPr>
           <a:xfrm>
             <a:off x="1451579" y="1853754"/>
-            <a:ext cx="9603275" cy="4119663"/>
+            <a:ext cx="9603275" cy="4199727"/>
           </a:xfrm>
         </p:spPr>
         <p:txBody>
@@ -4777,7 +5423,7 @@
           <a:p>
             <a:r>
               <a:rPr lang="en-US" dirty="0"/>
-              <a:t>We don’t really need to use regular expressions, but they might help. </a:t>
+              <a:t>We don’t really need to use regular expressions that much in DS, but they might help. </a:t>
             </a:r>
           </a:p>
           <a:p>
@@ -4785,6 +5431,26 @@
             <a:r>
               <a:rPr lang="en-US" dirty="0"/>
               <a:t>We can create a loop/if based logic that can do whatever a regular expression does. </a:t>
+            </a:r>
+          </a:p>
+          <a:p>
+            <a:pPr lvl="1"/>
+            <a:r>
+              <a:rPr lang="en-US" dirty="0"/>
+              <a:t>Can help if matching text patterns in data pipelines – we can build in “transformer steps”. </a:t>
+            </a:r>
+          </a:p>
+          <a:p>
+            <a:r>
+              <a:rPr lang="en-US" dirty="0"/>
+              <a:t>I wouldn’t spend a lot of time knowing this in depth, as long as you are able to use/read regex if needed, with the help of the internet and some time. </a:t>
+            </a:r>
+          </a:p>
+          <a:p>
+            <a:pPr lvl="1"/>
+            <a:r>
+              <a:rPr lang="en-US" dirty="0"/>
+              <a:t>The basic idea of wildcards, patterns, and text matching should be clear though. </a:t>
             </a:r>
           </a:p>
         </p:txBody>
@@ -4872,6 +5538,53 @@
           </a:p>
         </p:txBody>
       </p:sp>
+      <p:pic>
+        <p:nvPicPr>
+          <p:cNvPr id="2050" name="Picture 2" descr="Regex meme : r/ProgrammerHumor">
+            <a:extLst>
+              <a:ext uri="{FF2B5EF4-FFF2-40B4-BE49-F238E27FC236}">
+                <a16:creationId xmlns:a16="http://schemas.microsoft.com/office/drawing/2014/main" id="{CA5F078D-9CB1-A510-2638-1BC335BDAB39}"/>
+              </a:ext>
+            </a:extLst>
+          </p:cNvPr>
+          <p:cNvPicPr>
+            <a:picLocks noChangeAspect="1" noChangeArrowheads="1"/>
+          </p:cNvPicPr>
+          <p:nvPr/>
+        </p:nvPicPr>
+        <p:blipFill>
+          <a:blip r:embed="rId2">
+            <a:extLst>
+              <a:ext uri="{28A0092B-C50C-407E-A947-70E740481C1C}">
+                <a14:useLocalDpi xmlns:a14="http://schemas.microsoft.com/office/drawing/2010/main" val="0"/>
+              </a:ext>
+            </a:extLst>
+          </a:blip>
+          <a:srcRect/>
+          <a:stretch>
+            <a:fillRect/>
+          </a:stretch>
+        </p:blipFill>
+        <p:spPr bwMode="auto">
+          <a:xfrm>
+            <a:off x="3863546" y="3531204"/>
+            <a:ext cx="4464908" cy="3348681"/>
+          </a:xfrm>
+          <a:prstGeom prst="rect">
+            <a:avLst/>
+          </a:prstGeom>
+          <a:noFill/>
+          <a:extLst>
+            <a:ext uri="{909E8E84-426E-40DD-AFC4-6F175D3DCCD1}">
+              <a14:hiddenFill xmlns:a14="http://schemas.microsoft.com/office/drawing/2010/main">
+                <a:solidFill>
+                  <a:srgbClr val="FFFFFF"/>
+                </a:solidFill>
+              </a14:hiddenFill>
+            </a:ext>
+          </a:extLst>
+        </p:spPr>
+      </p:pic>
     </p:spTree>
     <p:extLst>
       <p:ext uri="{BB962C8B-B14F-4D97-AF65-F5344CB8AC3E}">
@@ -4971,7 +5684,15 @@
             <a:pPr lvl="1"/>
             <a:r>
               <a:rPr lang="en-US" dirty="0"/>
-              <a:t>Use idiocies to slice by position. </a:t>
+              <a:t>Use </a:t>
+            </a:r>
+            <a:r>
+              <a:rPr lang="en-US" dirty="0" err="1"/>
+              <a:t>idicies</a:t>
+            </a:r>
+            <a:r>
+              <a:rPr lang="en-US" dirty="0"/>
+              <a:t> to slice by position. </a:t>
             </a:r>
           </a:p>
           <a:p>

--- a/reference_material/slides/020_regular_expressions.pptx
+++ b/reference_material/slides/020_regular_expressions.pptx
@@ -23,7 +23,9 @@
     <p:sldId id="267" r:id="rId17"/>
     <p:sldId id="271" r:id="rId18"/>
     <p:sldId id="272" r:id="rId19"/>
-    <p:sldId id="264" r:id="rId20"/>
+    <p:sldId id="275" r:id="rId20"/>
+    <p:sldId id="264" r:id="rId21"/>
+    <p:sldId id="276" r:id="rId22"/>
   </p:sldIdLst>
   <p:sldSz cx="12192000" cy="6858000"/>
   <p:notesSz cx="6858000" cy="9144000"/>
@@ -5279,13 +5281,8 @@
             </a:r>
             <a:r>
               <a:rPr lang="en-US" dirty="0"/>
-              <a:t>, there are likely some premade patterns </a:t>
-            </a:r>
-            <a:r>
-              <a:rPr lang="en-US"/>
-              <a:t>somewhere online. </a:t>
-            </a:r>
-            <a:endParaRPr lang="en-US" dirty="0"/>
+              <a:t>, there are likely some premade patterns somewhere online. </a:t>
+            </a:r>
           </a:p>
         </p:txBody>
       </p:sp>
@@ -5354,7 +5351,7 @@
           <p:cNvPr id="2" name="Title 1">
             <a:extLst>
               <a:ext uri="{FF2B5EF4-FFF2-40B4-BE49-F238E27FC236}">
-                <a16:creationId xmlns:a16="http://schemas.microsoft.com/office/drawing/2014/main" id="{C1767532-73D5-3D36-AB2E-F14EC0D4717F}"/>
+                <a16:creationId xmlns:a16="http://schemas.microsoft.com/office/drawing/2014/main" id="{06D64457-E8CA-2054-FAE7-465D476CAD4A}"/>
               </a:ext>
             </a:extLst>
           </p:cNvPr>
@@ -5365,14 +5362,20 @@
             <p:ph type="title"/>
           </p:nvPr>
         </p:nvSpPr>
-        <p:spPr/>
+        <p:spPr>
+          <a:xfrm>
+            <a:off x="1" y="804519"/>
+            <a:ext cx="5330842" cy="1049235"/>
+          </a:xfrm>
+        </p:spPr>
         <p:txBody>
           <a:bodyPr/>
           <a:lstStyle/>
           <a:p>
-            <a:r>
-              <a:rPr lang="en-US" dirty="0"/>
-              <a:t>Conclusion</a:t>
+            <a:pPr algn="ctr"/>
+            <a:r>
+              <a:rPr lang="en-US" dirty="0"/>
+              <a:t>Regex Cheat Sheets</a:t>
             </a:r>
           </a:p>
         </p:txBody>
@@ -5382,7 +5385,7 @@
           <p:cNvPr id="3" name="Content Placeholder 2">
             <a:extLst>
               <a:ext uri="{FF2B5EF4-FFF2-40B4-BE49-F238E27FC236}">
-                <a16:creationId xmlns:a16="http://schemas.microsoft.com/office/drawing/2014/main" id="{DA2AFB20-9C27-90DC-67FA-1237F0EE93EE}"/>
+                <a16:creationId xmlns:a16="http://schemas.microsoft.com/office/drawing/2014/main" id="{453DC888-A62A-6C56-1EED-16F7386995C0}"/>
               </a:ext>
             </a:extLst>
           </p:cNvPr>
@@ -5395,8 +5398,8 @@
         </p:nvSpPr>
         <p:spPr>
           <a:xfrm>
-            <a:off x="1451579" y="1853754"/>
-            <a:ext cx="9603275" cy="4199727"/>
+            <a:off x="1451580" y="2015732"/>
+            <a:ext cx="3879264" cy="3450613"/>
           </a:xfrm>
         </p:spPr>
         <p:txBody>
@@ -5405,60 +5408,50 @@
           <a:p>
             <a:r>
               <a:rPr lang="en-US" dirty="0"/>
-              <a:t>Regular expressions are a shortcut to some string processing we’re used to. </a:t>
-            </a:r>
-          </a:p>
-          <a:p>
-            <a:r>
-              <a:rPr lang="en-US" dirty="0"/>
-              <a:t>Can wrap up more complex loop/if logic into simple concise statements. </a:t>
-            </a:r>
-          </a:p>
-          <a:p>
-            <a:r>
-              <a:rPr lang="en-US" dirty="0"/>
-              <a:t>Regex is a standardized language for processing text that is the same everywhere. </a:t>
-            </a:r>
-          </a:p>
-          <a:p>
-            <a:r>
-              <a:rPr lang="en-US" dirty="0"/>
-              <a:t>We don’t really need to use regular expressions that much in DS, but they might help. </a:t>
-            </a:r>
-          </a:p>
-          <a:p>
-            <a:pPr lvl="1"/>
-            <a:r>
-              <a:rPr lang="en-US" dirty="0"/>
-              <a:t>We can create a loop/if based logic that can do whatever a regular expression does. </a:t>
-            </a:r>
-          </a:p>
-          <a:p>
-            <a:pPr lvl="1"/>
-            <a:r>
-              <a:rPr lang="en-US" dirty="0"/>
-              <a:t>Can help if matching text patterns in data pipelines – we can build in “transformer steps”. </a:t>
-            </a:r>
-          </a:p>
-          <a:p>
-            <a:r>
-              <a:rPr lang="en-US" dirty="0"/>
-              <a:t>I wouldn’t spend a lot of time knowing this in depth, as long as you are able to use/read regex if needed, with the help of the internet and some time. </a:t>
-            </a:r>
-          </a:p>
-          <a:p>
-            <a:pPr lvl="1"/>
-            <a:r>
-              <a:rPr lang="en-US" dirty="0"/>
-              <a:t>The basic idea of wildcards, patterns, and text matching should be clear though. </a:t>
-            </a:r>
-          </a:p>
-        </p:txBody>
-      </p:sp>
+              <a:t>There are a bazillion regex (and other things) cheat sheets online. </a:t>
+            </a:r>
+          </a:p>
+          <a:p>
+            <a:r>
+              <a:rPr lang="en-US" dirty="0"/>
+              <a:t>I put a couple, along with a few others, in the repository. </a:t>
+            </a:r>
+          </a:p>
+        </p:txBody>
+      </p:sp>
+      <p:pic>
+        <p:nvPicPr>
+          <p:cNvPr id="4" name="Picture 3">
+            <a:extLst>
+              <a:ext uri="{FF2B5EF4-FFF2-40B4-BE49-F238E27FC236}">
+                <a16:creationId xmlns:a16="http://schemas.microsoft.com/office/drawing/2014/main" id="{79CC0D87-830D-9894-AE4E-34447316C451}"/>
+              </a:ext>
+            </a:extLst>
+          </p:cNvPr>
+          <p:cNvPicPr>
+            <a:picLocks noChangeAspect="1"/>
+          </p:cNvPicPr>
+          <p:nvPr/>
+        </p:nvPicPr>
+        <p:blipFill>
+          <a:blip r:embed="rId2"/>
+          <a:srcRect r="37971" b="18102"/>
+          <a:stretch/>
+        </p:blipFill>
+        <p:spPr>
+          <a:xfrm>
+            <a:off x="5330843" y="1"/>
+            <a:ext cx="6861158" cy="6858000"/>
+          </a:xfrm>
+          <a:prstGeom prst="rect">
+            <a:avLst/>
+          </a:prstGeom>
+        </p:spPr>
+      </p:pic>
     </p:spTree>
     <p:extLst>
       <p:ext uri="{BB962C8B-B14F-4D97-AF65-F5344CB8AC3E}">
-        <p14:creationId xmlns:p14="http://schemas.microsoft.com/office/powerpoint/2010/main" val="1640300490"/>
+        <p14:creationId xmlns:p14="http://schemas.microsoft.com/office/powerpoint/2010/main" val="3889702299"/>
       </p:ext>
     </p:extLst>
   </p:cSld>
@@ -5589,6 +5582,300 @@
     <p:extLst>
       <p:ext uri="{BB962C8B-B14F-4D97-AF65-F5344CB8AC3E}">
         <p14:creationId xmlns:p14="http://schemas.microsoft.com/office/powerpoint/2010/main" val="1113990994"/>
+      </p:ext>
+    </p:extLst>
+  </p:cSld>
+  <p:clrMapOvr>
+    <a:masterClrMapping/>
+  </p:clrMapOvr>
+</p:sld>
+</file>
+
+<file path=ppt/slides/slide20.xml><?xml version="1.0" encoding="utf-8"?>
+<p:sld xmlns:a="http://schemas.openxmlformats.org/drawingml/2006/main" xmlns:r="http://schemas.openxmlformats.org/officeDocument/2006/relationships" xmlns:p="http://schemas.openxmlformats.org/presentationml/2006/main">
+  <p:cSld>
+    <p:spTree>
+      <p:nvGrpSpPr>
+        <p:cNvPr id="1" name=""/>
+        <p:cNvGrpSpPr/>
+        <p:nvPr/>
+      </p:nvGrpSpPr>
+      <p:grpSpPr>
+        <a:xfrm>
+          <a:off x="0" y="0"/>
+          <a:ext cx="0" cy="0"/>
+          <a:chOff x="0" y="0"/>
+          <a:chExt cx="0" cy="0"/>
+        </a:xfrm>
+      </p:grpSpPr>
+      <p:sp>
+        <p:nvSpPr>
+          <p:cNvPr id="2" name="Title 1">
+            <a:extLst>
+              <a:ext uri="{FF2B5EF4-FFF2-40B4-BE49-F238E27FC236}">
+                <a16:creationId xmlns:a16="http://schemas.microsoft.com/office/drawing/2014/main" id="{C1767532-73D5-3D36-AB2E-F14EC0D4717F}"/>
+              </a:ext>
+            </a:extLst>
+          </p:cNvPr>
+          <p:cNvSpPr>
+            <a:spLocks noGrp="1"/>
+          </p:cNvSpPr>
+          <p:nvPr>
+            <p:ph type="title"/>
+          </p:nvPr>
+        </p:nvSpPr>
+        <p:spPr/>
+        <p:txBody>
+          <a:bodyPr/>
+          <a:lstStyle/>
+          <a:p>
+            <a:r>
+              <a:rPr lang="en-US" dirty="0"/>
+              <a:t>Conclusion</a:t>
+            </a:r>
+          </a:p>
+        </p:txBody>
+      </p:sp>
+      <p:sp>
+        <p:nvSpPr>
+          <p:cNvPr id="3" name="Content Placeholder 2">
+            <a:extLst>
+              <a:ext uri="{FF2B5EF4-FFF2-40B4-BE49-F238E27FC236}">
+                <a16:creationId xmlns:a16="http://schemas.microsoft.com/office/drawing/2014/main" id="{DA2AFB20-9C27-90DC-67FA-1237F0EE93EE}"/>
+              </a:ext>
+            </a:extLst>
+          </p:cNvPr>
+          <p:cNvSpPr>
+            <a:spLocks noGrp="1"/>
+          </p:cNvSpPr>
+          <p:nvPr>
+            <p:ph idx="1"/>
+          </p:nvPr>
+        </p:nvSpPr>
+        <p:spPr>
+          <a:xfrm>
+            <a:off x="1451579" y="1853754"/>
+            <a:ext cx="9603275" cy="4199727"/>
+          </a:xfrm>
+        </p:spPr>
+        <p:txBody>
+          <a:bodyPr/>
+          <a:lstStyle/>
+          <a:p>
+            <a:r>
+              <a:rPr lang="en-US" dirty="0"/>
+              <a:t>Regular expressions are a shortcut to some string processing we’re used to. </a:t>
+            </a:r>
+          </a:p>
+          <a:p>
+            <a:r>
+              <a:rPr lang="en-US" dirty="0"/>
+              <a:t>Can wrap up more complex loop/if logic into simple concise statements. </a:t>
+            </a:r>
+          </a:p>
+          <a:p>
+            <a:r>
+              <a:rPr lang="en-US" dirty="0"/>
+              <a:t>Regex is a standardized language for processing text that is the same everywhere. </a:t>
+            </a:r>
+          </a:p>
+          <a:p>
+            <a:r>
+              <a:rPr lang="en-US" dirty="0"/>
+              <a:t>We don’t really need to use regular expressions that much in DS, but they might help. </a:t>
+            </a:r>
+          </a:p>
+          <a:p>
+            <a:pPr lvl="1"/>
+            <a:r>
+              <a:rPr lang="en-US" dirty="0"/>
+              <a:t>We can create a loop/if based logic that can do whatever a regular expression does. </a:t>
+            </a:r>
+          </a:p>
+          <a:p>
+            <a:pPr lvl="1"/>
+            <a:r>
+              <a:rPr lang="en-US" dirty="0"/>
+              <a:t>Can help if matching text patterns in data pipelines – we can build in “transformer steps”. </a:t>
+            </a:r>
+          </a:p>
+          <a:p>
+            <a:r>
+              <a:rPr lang="en-US" dirty="0"/>
+              <a:t>I wouldn’t spend a lot of time knowing this in depth, as long as you are able to use/read regex if needed, with the help of the internet and some time. </a:t>
+            </a:r>
+          </a:p>
+          <a:p>
+            <a:pPr lvl="1"/>
+            <a:r>
+              <a:rPr lang="en-US" dirty="0"/>
+              <a:t>The basic idea of wildcards, patterns, and text matching should be clear though. </a:t>
+            </a:r>
+          </a:p>
+        </p:txBody>
+      </p:sp>
+    </p:spTree>
+    <p:extLst>
+      <p:ext uri="{BB962C8B-B14F-4D97-AF65-F5344CB8AC3E}">
+        <p14:creationId xmlns:p14="http://schemas.microsoft.com/office/powerpoint/2010/main" val="1640300490"/>
+      </p:ext>
+    </p:extLst>
+  </p:cSld>
+  <p:clrMapOvr>
+    <a:masterClrMapping/>
+  </p:clrMapOvr>
+</p:sld>
+</file>
+
+<file path=ppt/slides/slide21.xml><?xml version="1.0" encoding="utf-8"?>
+<p:sld xmlns:a="http://schemas.openxmlformats.org/drawingml/2006/main" xmlns:r="http://schemas.openxmlformats.org/officeDocument/2006/relationships" xmlns:p="http://schemas.openxmlformats.org/presentationml/2006/main">
+  <p:cSld>
+    <p:spTree>
+      <p:nvGrpSpPr>
+        <p:cNvPr id="1" name=""/>
+        <p:cNvGrpSpPr/>
+        <p:nvPr/>
+      </p:nvGrpSpPr>
+      <p:grpSpPr>
+        <a:xfrm>
+          <a:off x="0" y="0"/>
+          <a:ext cx="0" cy="0"/>
+          <a:chOff x="0" y="0"/>
+          <a:chExt cx="0" cy="0"/>
+        </a:xfrm>
+      </p:grpSpPr>
+      <p:sp>
+        <p:nvSpPr>
+          <p:cNvPr id="2" name="Title 1">
+            <a:extLst>
+              <a:ext uri="{FF2B5EF4-FFF2-40B4-BE49-F238E27FC236}">
+                <a16:creationId xmlns:a16="http://schemas.microsoft.com/office/drawing/2014/main" id="{0258D3C0-0ECA-38F2-85FA-DA9CE7DA2510}"/>
+              </a:ext>
+            </a:extLst>
+          </p:cNvPr>
+          <p:cNvSpPr>
+            <a:spLocks noGrp="1"/>
+          </p:cNvSpPr>
+          <p:nvPr>
+            <p:ph type="title"/>
+          </p:nvPr>
+        </p:nvSpPr>
+        <p:spPr/>
+        <p:txBody>
+          <a:bodyPr/>
+          <a:lstStyle/>
+          <a:p>
+            <a:r>
+              <a:rPr lang="en-US" dirty="0"/>
+              <a:t>Work on Stuff!!!!</a:t>
+            </a:r>
+          </a:p>
+        </p:txBody>
+      </p:sp>
+      <p:sp>
+        <p:nvSpPr>
+          <p:cNvPr id="3" name="Content Placeholder 2">
+            <a:extLst>
+              <a:ext uri="{FF2B5EF4-FFF2-40B4-BE49-F238E27FC236}">
+                <a16:creationId xmlns:a16="http://schemas.microsoft.com/office/drawing/2014/main" id="{C215E31B-8956-51F8-53A2-F72139073C0C}"/>
+              </a:ext>
+            </a:extLst>
+          </p:cNvPr>
+          <p:cNvSpPr>
+            <a:spLocks noGrp="1"/>
+          </p:cNvSpPr>
+          <p:nvPr>
+            <p:ph idx="1"/>
+          </p:nvPr>
+        </p:nvSpPr>
+        <p:spPr>
+          <a:xfrm>
+            <a:off x="706057" y="1853754"/>
+            <a:ext cx="11343190" cy="4199727"/>
+          </a:xfrm>
+        </p:spPr>
+        <p:txBody>
+          <a:bodyPr/>
+          <a:lstStyle/>
+          <a:p>
+            <a:r>
+              <a:rPr lang="en-US" dirty="0"/>
+              <a:t>Cards and modelling real things in an Object-Oriented Program:</a:t>
+            </a:r>
+          </a:p>
+          <a:p>
+            <a:pPr lvl="1"/>
+            <a:r>
+              <a:rPr lang="en-US" dirty="0"/>
+              <a:t>Try to get the functionality to what we did in the “part 2” notebook. </a:t>
+            </a:r>
+          </a:p>
+          <a:p>
+            <a:pPr lvl="1"/>
+            <a:r>
+              <a:rPr lang="en-US" dirty="0"/>
+              <a:t>Think – what objects? What do they know? What do they do? How do they interact?</a:t>
+            </a:r>
+          </a:p>
+          <a:p>
+            <a:pPr lvl="1"/>
+            <a:r>
+              <a:rPr lang="en-US" dirty="0"/>
+              <a:t>Be basic – don’t solve things all at once, break them down into smaller components. </a:t>
+            </a:r>
+          </a:p>
+          <a:p>
+            <a:pPr lvl="1"/>
+            <a:r>
+              <a:rPr lang="en-US" dirty="0"/>
+              <a:t>If something doesn’t work/make sense, please ask – it is not an easy thing to do the 1</a:t>
+            </a:r>
+            <a:r>
+              <a:rPr lang="en-US" baseline="30000" dirty="0"/>
+              <a:t>st</a:t>
+            </a:r>
+            <a:r>
+              <a:rPr lang="en-US" dirty="0"/>
+              <a:t> time. </a:t>
+            </a:r>
+          </a:p>
+          <a:p>
+            <a:r>
+              <a:rPr lang="en-US" dirty="0"/>
+              <a:t>Regex:</a:t>
+            </a:r>
+          </a:p>
+          <a:p>
+            <a:pPr lvl="1"/>
+            <a:r>
+              <a:rPr lang="en-US" dirty="0"/>
+              <a:t>Try to do the exercises. </a:t>
+            </a:r>
+          </a:p>
+          <a:p>
+            <a:r>
+              <a:rPr lang="en-US" dirty="0"/>
+              <a:t>Ideally, in a week from now, the basics of making a card-like program should be ok, if sometimes still hard. </a:t>
+            </a:r>
+          </a:p>
+          <a:p>
+            <a:pPr lvl="1"/>
+            <a:r>
+              <a:rPr lang="en-US" dirty="0"/>
+              <a:t>Ask if you’re stuck </a:t>
+            </a:r>
+            <a:r>
+              <a:rPr lang="en-US"/>
+              <a:t>or confused. </a:t>
+            </a:r>
+            <a:endParaRPr lang="en-US" dirty="0"/>
+          </a:p>
+        </p:txBody>
+      </p:sp>
+    </p:spTree>
+    <p:extLst>
+      <p:ext uri="{BB962C8B-B14F-4D97-AF65-F5344CB8AC3E}">
+        <p14:creationId xmlns:p14="http://schemas.microsoft.com/office/powerpoint/2010/main" val="2335878576"/>
       </p:ext>
     </p:extLst>
   </p:cSld>
